--- a/umt-training-course/jupyter-python/machine-learning/pres_data_accelero.pptx
+++ b/umt-training-course/jupyter-python/machine-learning/pres_data_accelero.pptx
@@ -228,7 +228,7 @@
           <a:p>
             <a:fld id="{74320290-853E-4E28-A12C-997B1C00832E}" type="datetime1">
               <a:rPr lang="fr-FR" smtClean="0"/>
-              <a:t>11/06/2021</a:t>
+              <a:t>23/06/2021</a:t>
             </a:fld>
             <a:endParaRPr lang="fr-FR"/>
           </a:p>
@@ -479,7 +479,7 @@
               <a:rPr lang="fr-FR" sz="1400" b="0" strike="noStrike" spc="-1" smtClean="0">
                 <a:latin typeface="Times New Roman"/>
               </a:rPr>
-              <a:t>11/06/2021</a:t>
+              <a:t>23/06/2021</a:t>
             </a:fld>
             <a:endParaRPr lang="fr-FR" sz="1400" b="0" strike="noStrike" spc="-1">
               <a:latin typeface="Times New Roman"/>
@@ -731,7 +731,7 @@
               <a:rPr lang="fr-FR" sz="1400" b="0" strike="noStrike" spc="-1" smtClean="0">
                 <a:latin typeface="Times New Roman"/>
               </a:rPr>
-              <a:t>11/06/2021</a:t>
+              <a:t>23/06/2021</a:t>
             </a:fld>
             <a:endParaRPr lang="fr-FR" sz="1400" b="0" strike="noStrike" spc="-1">
               <a:latin typeface="Times New Roman"/>
@@ -933,7 +933,7 @@
               <a:rPr lang="fr-FR" sz="1400" b="0" strike="noStrike" spc="-1" smtClean="0">
                 <a:latin typeface="Times New Roman"/>
               </a:rPr>
-              <a:t>11/06/2021</a:t>
+              <a:t>23/06/2021</a:t>
             </a:fld>
             <a:endParaRPr lang="fr-FR" sz="1400" b="0" strike="noStrike" spc="-1">
               <a:latin typeface="Times New Roman"/>
@@ -1102,7 +1102,7 @@
               <a:rPr lang="fr-FR" sz="1400" b="0" strike="noStrike" spc="-1" smtClean="0">
                 <a:latin typeface="Times New Roman"/>
               </a:rPr>
-              <a:t>11/06/2021</a:t>
+              <a:t>23/06/2021</a:t>
             </a:fld>
             <a:endParaRPr lang="fr-FR" sz="1400" b="0" strike="noStrike" spc="-1">
               <a:latin typeface="Times New Roman"/>
@@ -1276,7 +1276,7 @@
               <a:rPr lang="fr-FR" sz="1400" b="0" strike="noStrike" spc="-1" smtClean="0">
                 <a:latin typeface="Times New Roman"/>
               </a:rPr>
-              <a:t>11/06/2021</a:t>
+              <a:t>23/06/2021</a:t>
             </a:fld>
             <a:endParaRPr lang="fr-FR" sz="1400" b="0" strike="noStrike" spc="-1">
               <a:latin typeface="Times New Roman"/>
@@ -1450,7 +1450,7 @@
               <a:rPr lang="fr-FR" sz="1400" b="0" strike="noStrike" spc="-1" smtClean="0">
                 <a:latin typeface="Times New Roman"/>
               </a:rPr>
-              <a:t>11/06/2021</a:t>
+              <a:t>23/06/2021</a:t>
             </a:fld>
             <a:endParaRPr lang="fr-FR" sz="1400" b="0" strike="noStrike" spc="-1">
               <a:latin typeface="Times New Roman"/>
@@ -1624,7 +1624,7 @@
               <a:rPr lang="fr-FR" sz="1400" b="0" strike="noStrike" spc="-1" smtClean="0">
                 <a:latin typeface="Times New Roman"/>
               </a:rPr>
-              <a:t>11/06/2021</a:t>
+              <a:t>23/06/2021</a:t>
             </a:fld>
             <a:endParaRPr lang="fr-FR" sz="1400" b="0" strike="noStrike" spc="-1">
               <a:latin typeface="Times New Roman"/>
@@ -1718,7 +1718,7 @@
               <a:rPr lang="fr-FR" sz="1400" b="0" strike="noStrike" spc="-1" smtClean="0">
                 <a:latin typeface="Times New Roman"/>
               </a:rPr>
-              <a:t>11/06/2021</a:t>
+              <a:t>23/06/2021</a:t>
             </a:fld>
             <a:endParaRPr lang="fr-FR" sz="1400" b="0" strike="noStrike" spc="-1">
               <a:latin typeface="Times New Roman"/>
@@ -8788,7 +8788,7 @@
                 </a:solidFill>
                 <a:latin typeface="Calibri"/>
               </a:rPr>
-              <a:t>11/06/2021</a:t>
+              <a:t>23/06/2021</a:t>
             </a:fld>
             <a:endParaRPr lang="fr-FR" sz="1600" b="0" strike="noStrike" spc="-1">
               <a:latin typeface="Arial"/>
@@ -8877,8 +8877,8 @@
         </p:nvSpPr>
         <p:spPr>
           <a:xfrm>
-            <a:off x="513900" y="1422473"/>
-            <a:ext cx="10514880" cy="4167153"/>
+            <a:off x="709740" y="2164751"/>
+            <a:ext cx="10514880" cy="1880125"/>
           </a:xfrm>
           <a:prstGeom prst="rect">
             <a:avLst/>
@@ -8902,7 +8902,7 @@
         </p:style>
         <p:txBody>
           <a:bodyPr lIns="90000" tIns="45000" rIns="90000" bIns="45000">
-            <a:normAutofit lnSpcReduction="10000"/>
+            <a:normAutofit/>
           </a:bodyPr>
           <a:lstStyle/>
           <a:p>
@@ -8967,126 +8967,6 @@
               <a:t>rédiction de la position de la truie en maternité à partir des coordonnées fournies par un accéléromètre</a:t>
             </a:r>
           </a:p>
-          <a:p>
-            <a:pPr marL="576720" lvl="3">
-              <a:spcBef>
-                <a:spcPts val="499"/>
-              </a:spcBef>
-              <a:buSzPct val="100014"/>
-            </a:pPr>
-            <a:endParaRPr lang="fr-FR" sz="2400" dirty="0">
-              <a:latin typeface="Arial" panose="020B0604020202020204" pitchFamily="34" charset="0"/>
-              <a:cs typeface="Arial" panose="020B0604020202020204" pitchFamily="34" charset="0"/>
-            </a:endParaRPr>
-          </a:p>
-          <a:p>
-            <a:pPr marL="864000" lvl="3" indent="-287280">
-              <a:spcBef>
-                <a:spcPts val="499"/>
-              </a:spcBef>
-              <a:buSzPct val="100014"/>
-              <a:buBlip>
-                <a:blip r:embed="rId3"/>
-              </a:buBlip>
-            </a:pPr>
-            <a:r>
-              <a:rPr lang="fr-FR" sz="2400" dirty="0">
-                <a:latin typeface="Arial" panose="020B0604020202020204" pitchFamily="34" charset="0"/>
-                <a:cs typeface="Arial" panose="020B0604020202020204" pitchFamily="34" charset="0"/>
-              </a:rPr>
-              <a:t>Construction jeu de données :</a:t>
-            </a:r>
-          </a:p>
-          <a:p>
-            <a:pPr marL="1321200" lvl="4" indent="-287280">
-              <a:spcBef>
-                <a:spcPts val="499"/>
-              </a:spcBef>
-              <a:buSzPct val="100014"/>
-              <a:buBlip>
-                <a:blip r:embed="rId3"/>
-              </a:buBlip>
-            </a:pPr>
-            <a:r>
-              <a:rPr lang="fr-FR" sz="2400" dirty="0">
-                <a:latin typeface="Arial" panose="020B0604020202020204" pitchFamily="34" charset="0"/>
-                <a:cs typeface="Arial" panose="020B0604020202020204" pitchFamily="34" charset="0"/>
-              </a:rPr>
-              <a:t>Plusieurs expérimentations durant entre 1 et 5 jours</a:t>
-            </a:r>
-          </a:p>
-          <a:p>
-            <a:pPr marL="1321200" lvl="4" indent="-287280">
-              <a:spcBef>
-                <a:spcPts val="499"/>
-              </a:spcBef>
-              <a:buSzPct val="100014"/>
-              <a:buBlip>
-                <a:blip r:embed="rId3"/>
-              </a:buBlip>
-            </a:pPr>
-            <a:r>
-              <a:rPr lang="fr-FR" sz="2400" dirty="0">
-                <a:latin typeface="Arial" panose="020B0604020202020204" pitchFamily="34" charset="0"/>
-                <a:cs typeface="Arial" panose="020B0604020202020204" pitchFamily="34" charset="0"/>
-              </a:rPr>
-              <a:t>Truies choisies selon leur poids et rang de portée (pour s’assurer du maintien du harnais)</a:t>
-            </a:r>
-          </a:p>
-          <a:p>
-            <a:pPr marL="1321200" lvl="4" indent="-287280">
-              <a:spcBef>
-                <a:spcPts val="499"/>
-              </a:spcBef>
-              <a:buSzPct val="100014"/>
-              <a:buBlip>
-                <a:blip r:embed="rId3"/>
-              </a:buBlip>
-            </a:pPr>
-            <a:r>
-              <a:rPr lang="fr-FR" sz="2400" dirty="0">
-                <a:latin typeface="Arial" panose="020B0604020202020204" pitchFamily="34" charset="0"/>
-                <a:cs typeface="Arial" panose="020B0604020202020204" pitchFamily="34" charset="0"/>
-              </a:rPr>
-              <a:t>Labellisation (positions) à partir de vidéos de caméras</a:t>
-            </a:r>
-          </a:p>
-          <a:p>
-            <a:pPr marL="1321200" lvl="4" indent="-287280">
-              <a:spcBef>
-                <a:spcPts val="499"/>
-              </a:spcBef>
-              <a:buSzPct val="100014"/>
-              <a:buBlip>
-                <a:blip r:embed="rId3"/>
-              </a:buBlip>
-            </a:pPr>
-            <a:r>
-              <a:rPr lang="fr-FR" sz="2400" dirty="0">
-                <a:latin typeface="Arial" panose="020B0604020202020204" pitchFamily="34" charset="0"/>
-                <a:cs typeface="Arial" panose="020B0604020202020204" pitchFamily="34" charset="0"/>
-              </a:rPr>
-              <a:t>Synchronisation accéléromètre / caméra à l’aide de l’heure</a:t>
-            </a:r>
-          </a:p>
-          <a:p>
-            <a:pPr marL="864000" lvl="3" indent="-287280">
-              <a:lnSpc>
-                <a:spcPct val="100000"/>
-              </a:lnSpc>
-              <a:spcBef>
-                <a:spcPts val="499"/>
-              </a:spcBef>
-              <a:buSzPct val="100014"/>
-              <a:buBlip>
-                <a:blip r:embed="rId3"/>
-              </a:buBlip>
-            </a:pPr>
-            <a:endParaRPr lang="fr-FR" sz="2400" b="0" strike="noStrike" spc="-1" dirty="0">
-              <a:latin typeface="Arial" panose="020B0604020202020204" pitchFamily="34" charset="0"/>
-              <a:cs typeface="Arial" panose="020B0604020202020204" pitchFamily="34" charset="0"/>
-            </a:endParaRPr>
-          </a:p>
         </p:txBody>
       </p:sp>
       <p:sp>
@@ -9233,7 +9113,7 @@
                 </a:solidFill>
                 <a:latin typeface="Calibri"/>
               </a:rPr>
-              <a:t>11/06/2021</a:t>
+              <a:t>23/06/2021</a:t>
             </a:fld>
             <a:endParaRPr lang="fr-FR" sz="1600" b="0" strike="noStrike" spc="-1">
               <a:latin typeface="Arial"/>
@@ -9574,7 +9454,7 @@
                 </a:solidFill>
                 <a:latin typeface="Calibri"/>
               </a:rPr>
-              <a:t>11/06/2021</a:t>
+              <a:t>23/06/2021</a:t>
             </a:fld>
             <a:endParaRPr lang="fr-FR" sz="1600" b="0" strike="noStrike" spc="-1">
               <a:latin typeface="Arial"/>
@@ -9667,7 +9547,7 @@
         </p:blipFill>
         <p:spPr>
           <a:xfrm>
-            <a:off x="513900" y="1949972"/>
+            <a:off x="443540" y="2326490"/>
             <a:ext cx="11304919" cy="2958056"/>
           </a:xfrm>
           <a:prstGeom prst="rect">
@@ -9675,6 +9555,269 @@
           </a:prstGeom>
         </p:spPr>
       </p:pic>
+      <p:sp>
+        <p:nvSpPr>
+          <p:cNvPr id="2" name="Rectangle 1">
+            <a:extLst>
+              <a:ext uri="{FF2B5EF4-FFF2-40B4-BE49-F238E27FC236}">
+                <a16:creationId xmlns:a16="http://schemas.microsoft.com/office/drawing/2014/main" id="{46BB114A-DB03-40FF-B69A-2F60BBF41A4F}"/>
+              </a:ext>
+            </a:extLst>
+          </p:cNvPr>
+          <p:cNvSpPr/>
+          <p:nvPr/>
+        </p:nvSpPr>
+        <p:spPr>
+          <a:xfrm>
+            <a:off x="8563087" y="2205318"/>
+            <a:ext cx="3185372" cy="3230209"/>
+          </a:xfrm>
+          <a:prstGeom prst="rect">
+            <a:avLst/>
+          </a:prstGeom>
+          <a:noFill/>
+          <a:ln>
+            <a:solidFill>
+              <a:srgbClr val="FF0000"/>
+            </a:solidFill>
+          </a:ln>
+        </p:spPr>
+        <p:style>
+          <a:lnRef idx="2">
+            <a:schemeClr val="accent1">
+              <a:shade val="50000"/>
+            </a:schemeClr>
+          </a:lnRef>
+          <a:fillRef idx="1">
+            <a:schemeClr val="accent1"/>
+          </a:fillRef>
+          <a:effectRef idx="0">
+            <a:schemeClr val="accent1"/>
+          </a:effectRef>
+          <a:fontRef idx="minor">
+            <a:schemeClr val="lt1"/>
+          </a:fontRef>
+        </p:style>
+        <p:txBody>
+          <a:bodyPr rtlCol="0" anchor="ctr"/>
+          <a:lstStyle/>
+          <a:p>
+            <a:pPr algn="ctr"/>
+            <a:endParaRPr lang="fr-FR"/>
+          </a:p>
+        </p:txBody>
+      </p:sp>
+      <p:sp>
+        <p:nvSpPr>
+          <p:cNvPr id="10" name="Rectangle 9">
+            <a:extLst>
+              <a:ext uri="{FF2B5EF4-FFF2-40B4-BE49-F238E27FC236}">
+                <a16:creationId xmlns:a16="http://schemas.microsoft.com/office/drawing/2014/main" id="{BF97467F-FB0A-48B5-8E65-7A53A21A7F0C}"/>
+              </a:ext>
+            </a:extLst>
+          </p:cNvPr>
+          <p:cNvSpPr/>
+          <p:nvPr/>
+        </p:nvSpPr>
+        <p:spPr>
+          <a:xfrm>
+            <a:off x="1190788" y="2205318"/>
+            <a:ext cx="939226" cy="3230209"/>
+          </a:xfrm>
+          <a:prstGeom prst="rect">
+            <a:avLst/>
+          </a:prstGeom>
+          <a:noFill/>
+          <a:ln>
+            <a:solidFill>
+              <a:srgbClr val="FF0000"/>
+            </a:solidFill>
+          </a:ln>
+        </p:spPr>
+        <p:style>
+          <a:lnRef idx="2">
+            <a:schemeClr val="accent1">
+              <a:shade val="50000"/>
+            </a:schemeClr>
+          </a:lnRef>
+          <a:fillRef idx="1">
+            <a:schemeClr val="accent1"/>
+          </a:fillRef>
+          <a:effectRef idx="0">
+            <a:schemeClr val="accent1"/>
+          </a:effectRef>
+          <a:fontRef idx="minor">
+            <a:schemeClr val="lt1"/>
+          </a:fontRef>
+        </p:style>
+        <p:txBody>
+          <a:bodyPr rtlCol="0" anchor="ctr"/>
+          <a:lstStyle/>
+          <a:p>
+            <a:pPr algn="ctr"/>
+            <a:endParaRPr lang="fr-FR"/>
+          </a:p>
+        </p:txBody>
+      </p:sp>
+      <p:cxnSp>
+        <p:nvCxnSpPr>
+          <p:cNvPr id="4" name="Connecteur droit avec flèche 3">
+            <a:extLst>
+              <a:ext uri="{FF2B5EF4-FFF2-40B4-BE49-F238E27FC236}">
+                <a16:creationId xmlns:a16="http://schemas.microsoft.com/office/drawing/2014/main" id="{44F6055D-935D-4AD5-9E42-29DDDDB79016}"/>
+              </a:ext>
+            </a:extLst>
+          </p:cNvPr>
+          <p:cNvCxnSpPr>
+            <a:endCxn id="2" idx="0"/>
+          </p:cNvCxnSpPr>
+          <p:nvPr/>
+        </p:nvCxnSpPr>
+        <p:spPr>
+          <a:xfrm>
+            <a:off x="9466729" y="1549101"/>
+            <a:ext cx="689044" cy="656217"/>
+          </a:xfrm>
+          <a:prstGeom prst="straightConnector1">
+            <a:avLst/>
+          </a:prstGeom>
+          <a:ln>
+            <a:solidFill>
+              <a:srgbClr val="FF0000"/>
+            </a:solidFill>
+            <a:tailEnd type="triangle"/>
+          </a:ln>
+        </p:spPr>
+        <p:style>
+          <a:lnRef idx="1">
+            <a:schemeClr val="accent1"/>
+          </a:lnRef>
+          <a:fillRef idx="0">
+            <a:schemeClr val="accent1"/>
+          </a:fillRef>
+          <a:effectRef idx="0">
+            <a:schemeClr val="accent1"/>
+          </a:effectRef>
+          <a:fontRef idx="minor">
+            <a:schemeClr val="tx1"/>
+          </a:fontRef>
+        </p:style>
+      </p:cxnSp>
+      <p:cxnSp>
+        <p:nvCxnSpPr>
+          <p:cNvPr id="13" name="Connecteur droit avec flèche 12">
+            <a:extLst>
+              <a:ext uri="{FF2B5EF4-FFF2-40B4-BE49-F238E27FC236}">
+                <a16:creationId xmlns:a16="http://schemas.microsoft.com/office/drawing/2014/main" id="{3A1BDC27-04C1-4AD4-9ED7-19D73B02E2C4}"/>
+              </a:ext>
+            </a:extLst>
+          </p:cNvPr>
+          <p:cNvCxnSpPr>
+            <a:cxnSpLocks/>
+            <a:endCxn id="10" idx="0"/>
+          </p:cNvCxnSpPr>
+          <p:nvPr/>
+        </p:nvCxnSpPr>
+        <p:spPr>
+          <a:xfrm flipH="1">
+            <a:off x="1660401" y="1721224"/>
+            <a:ext cx="718203" cy="484094"/>
+          </a:xfrm>
+          <a:prstGeom prst="straightConnector1">
+            <a:avLst/>
+          </a:prstGeom>
+          <a:ln>
+            <a:solidFill>
+              <a:srgbClr val="FF0000"/>
+            </a:solidFill>
+            <a:tailEnd type="triangle"/>
+          </a:ln>
+        </p:spPr>
+        <p:style>
+          <a:lnRef idx="1">
+            <a:schemeClr val="accent1"/>
+          </a:lnRef>
+          <a:fillRef idx="0">
+            <a:schemeClr val="accent1"/>
+          </a:fillRef>
+          <a:effectRef idx="0">
+            <a:schemeClr val="accent1"/>
+          </a:effectRef>
+          <a:fontRef idx="minor">
+            <a:schemeClr val="tx1"/>
+          </a:fontRef>
+        </p:style>
+      </p:cxnSp>
+      <p:sp>
+        <p:nvSpPr>
+          <p:cNvPr id="8" name="ZoneTexte 7">
+            <a:extLst>
+              <a:ext uri="{FF2B5EF4-FFF2-40B4-BE49-F238E27FC236}">
+                <a16:creationId xmlns:a16="http://schemas.microsoft.com/office/drawing/2014/main" id="{C92CBFB7-A26D-448E-A168-5331CD3CAA7D}"/>
+              </a:ext>
+            </a:extLst>
+          </p:cNvPr>
+          <p:cNvSpPr txBox="1"/>
+          <p:nvPr/>
+        </p:nvSpPr>
+        <p:spPr>
+          <a:xfrm>
+            <a:off x="1348429" y="1364435"/>
+            <a:ext cx="2933114" cy="369332"/>
+          </a:xfrm>
+          <a:prstGeom prst="rect">
+            <a:avLst/>
+          </a:prstGeom>
+          <a:noFill/>
+        </p:spPr>
+        <p:txBody>
+          <a:bodyPr wrap="square" rtlCol="0">
+            <a:spAutoFit/>
+          </a:bodyPr>
+          <a:lstStyle/>
+          <a:p>
+            <a:r>
+              <a:rPr lang="fr-FR" dirty="0"/>
+              <a:t>Prédictions en sortie (y)</a:t>
+            </a:r>
+          </a:p>
+        </p:txBody>
+      </p:sp>
+      <p:sp>
+        <p:nvSpPr>
+          <p:cNvPr id="17" name="ZoneTexte 16">
+            <a:extLst>
+              <a:ext uri="{FF2B5EF4-FFF2-40B4-BE49-F238E27FC236}">
+                <a16:creationId xmlns:a16="http://schemas.microsoft.com/office/drawing/2014/main" id="{DAD24E26-3F11-4B0C-A1E6-F80D033DD88B}"/>
+              </a:ext>
+            </a:extLst>
+          </p:cNvPr>
+          <p:cNvSpPr txBox="1"/>
+          <p:nvPr/>
+        </p:nvSpPr>
+        <p:spPr>
+          <a:xfrm>
+            <a:off x="8257238" y="1150750"/>
+            <a:ext cx="2933114" cy="369332"/>
+          </a:xfrm>
+          <a:prstGeom prst="rect">
+            <a:avLst/>
+          </a:prstGeom>
+          <a:noFill/>
+        </p:spPr>
+        <p:txBody>
+          <a:bodyPr wrap="square" rtlCol="0">
+            <a:spAutoFit/>
+          </a:bodyPr>
+          <a:lstStyle/>
+          <a:p>
+            <a:r>
+              <a:rPr lang="fr-FR" dirty="0"/>
+              <a:t>Données en entrée (X)</a:t>
+            </a:r>
+          </a:p>
+        </p:txBody>
+      </p:sp>
     </p:spTree>
     <p:extLst>
       <p:ext uri="{BB962C8B-B14F-4D97-AF65-F5344CB8AC3E}">
@@ -10091,7 +10234,7 @@
                 </a:solidFill>
                 <a:latin typeface="Calibri"/>
               </a:rPr>
-              <a:t>11/06/2021</a:t>
+              <a:t>23/06/2021</a:t>
             </a:fld>
             <a:endParaRPr lang="fr-FR" sz="1600" b="0" strike="noStrike" spc="-1">
               <a:latin typeface="Arial"/>
@@ -10449,7 +10592,7 @@
                 </a:solidFill>
                 <a:latin typeface="Calibri"/>
               </a:rPr>
-              <a:t>11/06/2021</a:t>
+              <a:t>23/06/2021</a:t>
             </a:fld>
             <a:endParaRPr lang="fr-FR" sz="1600" b="0" strike="noStrike" spc="-1">
               <a:latin typeface="Arial"/>
@@ -10954,7 +11097,7 @@
                 </a:solidFill>
                 <a:latin typeface="Calibri"/>
               </a:rPr>
-              <a:t>11/06/2021</a:t>
+              <a:t>23/06/2021</a:t>
             </a:fld>
             <a:endParaRPr lang="fr-FR" sz="1600" b="0" strike="noStrike" spc="-1">
               <a:latin typeface="Arial"/>
@@ -11164,7 +11307,7 @@
                 </a:solidFill>
                 <a:latin typeface="Calibri"/>
               </a:rPr>
-              <a:t>11/06/2021</a:t>
+              <a:t>23/06/2021</a:t>
             </a:fld>
             <a:endParaRPr lang="fr-FR" sz="1600" b="0" strike="noStrike" spc="-1">
               <a:latin typeface="Arial"/>
@@ -12920,18 +13063,18 @@
 </file>
 
 <file path=customXml/item2.xml><?xml version="1.0" encoding="utf-8"?>
-<p:properties xmlns:p="http://schemas.microsoft.com/office/2006/metadata/properties" xmlns:xsi="http://www.w3.org/2001/XMLSchema-instance" xmlns:pc="http://schemas.microsoft.com/office/infopath/2007/PartnerControls">
-  <documentManagement/>
-</p:properties>
-</file>
-
-<file path=customXml/item3.xml><?xml version="1.0" encoding="utf-8"?>
 <?mso-contentType ?>
 <FormTemplates xmlns="http://schemas.microsoft.com/sharepoint/v3/contenttype/forms">
   <Display>DocumentLibraryForm</Display>
   <Edit>DocumentLibraryForm</Edit>
   <New>DocumentLibraryForm</New>
 </FormTemplates>
+</file>
+
+<file path=customXml/item3.xml><?xml version="1.0" encoding="utf-8"?>
+<p:properties xmlns:p="http://schemas.microsoft.com/office/2006/metadata/properties" xmlns:xsi="http://www.w3.org/2001/XMLSchema-instance" xmlns:pc="http://schemas.microsoft.com/office/infopath/2007/PartnerControls">
+  <documentManagement/>
+</p:properties>
 </file>
 
 <file path=customXml/itemProps1.xml><?xml version="1.0" encoding="utf-8"?>
@@ -12954,6 +13097,14 @@
 </file>
 
 <file path=customXml/itemProps2.xml><?xml version="1.0" encoding="utf-8"?>
+<ds:datastoreItem xmlns:ds="http://schemas.openxmlformats.org/officeDocument/2006/customXml" ds:itemID="{2ABADE50-51ED-4D0C-AB69-9DDCAE1B2CAE}">
+  <ds:schemaRefs>
+    <ds:schemaRef ds:uri="http://schemas.microsoft.com/sharepoint/v3/contenttype/forms"/>
+  </ds:schemaRefs>
+</ds:datastoreItem>
+</file>
+
+<file path=customXml/itemProps3.xml><?xml version="1.0" encoding="utf-8"?>
 <ds:datastoreItem xmlns:ds="http://schemas.openxmlformats.org/officeDocument/2006/customXml" ds:itemID="{172BE66D-B4CD-4DB0-B375-4AD6AD641260}">
   <ds:schemaRefs>
     <ds:schemaRef ds:uri="http://purl.org/dc/terms/"/>
@@ -12968,12 +13119,4 @@
     <ds:schemaRef ds:uri="http://purl.org/dc/dcmitype/"/>
   </ds:schemaRefs>
 </ds:datastoreItem>
-</file>
-
-<file path=customXml/itemProps3.xml><?xml version="1.0" encoding="utf-8"?>
-<ds:datastoreItem xmlns:ds="http://schemas.openxmlformats.org/officeDocument/2006/customXml" ds:itemID="{2ABADE50-51ED-4D0C-AB69-9DDCAE1B2CAE}">
-  <ds:schemaRefs>
-    <ds:schemaRef ds:uri="http://schemas.microsoft.com/sharepoint/v3/contenttype/forms"/>
-  </ds:schemaRefs>
-</ds:datastoreItem>
 </file>